--- a/lectures/DJ-01-Structure.pptx
+++ b/lectures/DJ-01-Structure.pptx
@@ -5806,17 +5806,6 @@
               <a:t>ls -l </a:t>
             </a:r>
             <a:r>
-              <a:rPr lang="en-US" sz="2000" b="1" dirty="0" err="1" smtClean="0">
-                <a:solidFill>
-                  <a:srgbClr val="FFFF00"/>
-                </a:solidFill>
-                <a:latin typeface="Courier" charset="0"/>
-                <a:ea typeface="Courier" charset="0"/>
-                <a:cs typeface="Courier" charset="0"/>
-              </a:rPr>
-              <a:t>mysite</a:t>
-            </a:r>
-            <a:r>
               <a:rPr lang="en-US" sz="2000" b="1" dirty="0" smtClean="0">
                 <a:solidFill>
                   <a:srgbClr val="FFFF00"/>
@@ -5825,7 +5814,7 @@
                 <a:ea typeface="Courier" charset="0"/>
                 <a:cs typeface="Courier" charset="0"/>
               </a:rPr>
-              <a:t> polls</a:t>
+              <a:t>dj4e-samples home</a:t>
             </a:r>
             <a:endParaRPr lang="en-US" sz="2000" b="1" dirty="0">
               <a:solidFill>
@@ -5838,266 +5827,6 @@
           </a:p>
           <a:p>
             <a:r>
-              <a:rPr lang="en-US" sz="2000" b="1" dirty="0" err="1" smtClean="0">
-                <a:solidFill>
-                  <a:srgbClr val="00B0F0"/>
-                </a:solidFill>
-                <a:latin typeface="Courier" charset="0"/>
-                <a:ea typeface="Courier" charset="0"/>
-                <a:cs typeface="Courier" charset="0"/>
-              </a:rPr>
-              <a:t>mysite</a:t>
-            </a:r>
-            <a:r>
-              <a:rPr lang="en-US" sz="2000" b="1" dirty="0" smtClean="0">
-                <a:latin typeface="Courier" charset="0"/>
-                <a:ea typeface="Courier" charset="0"/>
-                <a:cs typeface="Courier" charset="0"/>
-              </a:rPr>
-              <a:t>:</a:t>
-            </a:r>
-            <a:endParaRPr lang="en-US" sz="2000" b="1" dirty="0">
-              <a:latin typeface="Courier" charset="0"/>
-              <a:ea typeface="Courier" charset="0"/>
-              <a:cs typeface="Courier" charset="0"/>
-            </a:endParaRPr>
-          </a:p>
-          <a:p>
-            <a:r>
-              <a:rPr lang="en-US" sz="2000" b="1" dirty="0" smtClean="0">
-                <a:latin typeface="Courier" charset="0"/>
-                <a:ea typeface="Courier" charset="0"/>
-                <a:cs typeface="Courier" charset="0"/>
-              </a:rPr>
-              <a:t>-</a:t>
-            </a:r>
-            <a:r>
-              <a:rPr lang="en-US" sz="2000" b="1" dirty="0" err="1">
-                <a:latin typeface="Courier" charset="0"/>
-                <a:ea typeface="Courier" charset="0"/>
-                <a:cs typeface="Courier" charset="0"/>
-              </a:rPr>
-              <a:t>rw</a:t>
-            </a:r>
-            <a:r>
-              <a:rPr lang="en-US" sz="2000" b="1" dirty="0">
-                <a:latin typeface="Courier" charset="0"/>
-                <a:ea typeface="Courier" charset="0"/>
-                <a:cs typeface="Courier" charset="0"/>
-              </a:rPr>
-              <a:t>-r--r--  1 csev  staff     0 Feb 15 __</a:t>
-            </a:r>
-            <a:r>
-              <a:rPr lang="en-US" sz="2000" b="1" dirty="0" err="1">
-                <a:latin typeface="Courier" charset="0"/>
-                <a:ea typeface="Courier" charset="0"/>
-                <a:cs typeface="Courier" charset="0"/>
-              </a:rPr>
-              <a:t>init</a:t>
-            </a:r>
-            <a:r>
-              <a:rPr lang="en-US" sz="2000" b="1" dirty="0">
-                <a:latin typeface="Courier" charset="0"/>
-                <a:ea typeface="Courier" charset="0"/>
-                <a:cs typeface="Courier" charset="0"/>
-              </a:rPr>
-              <a:t>__.</a:t>
-            </a:r>
-            <a:r>
-              <a:rPr lang="en-US" sz="2000" b="1" dirty="0" err="1">
-                <a:latin typeface="Courier" charset="0"/>
-                <a:ea typeface="Courier" charset="0"/>
-                <a:cs typeface="Courier" charset="0"/>
-              </a:rPr>
-              <a:t>py</a:t>
-            </a:r>
-            <a:endParaRPr lang="en-US" sz="2000" b="1" dirty="0">
-              <a:latin typeface="Courier" charset="0"/>
-              <a:ea typeface="Courier" charset="0"/>
-              <a:cs typeface="Courier" charset="0"/>
-            </a:endParaRPr>
-          </a:p>
-          <a:p>
-            <a:r>
-              <a:rPr lang="en-US" sz="2000" b="1" dirty="0">
-                <a:latin typeface="Courier" charset="0"/>
-                <a:ea typeface="Courier" charset="0"/>
-                <a:cs typeface="Courier" charset="0"/>
-              </a:rPr>
-              <a:t>-</a:t>
-            </a:r>
-            <a:r>
-              <a:rPr lang="en-US" sz="2000" b="1" dirty="0" err="1">
-                <a:latin typeface="Courier" charset="0"/>
-                <a:ea typeface="Courier" charset="0"/>
-                <a:cs typeface="Courier" charset="0"/>
-              </a:rPr>
-              <a:t>rw</a:t>
-            </a:r>
-            <a:r>
-              <a:rPr lang="en-US" sz="2000" b="1" dirty="0">
-                <a:latin typeface="Courier" charset="0"/>
-                <a:ea typeface="Courier" charset="0"/>
-                <a:cs typeface="Courier" charset="0"/>
-              </a:rPr>
-              <a:t>-r--r--  1 csev  staff  6106 Apr 23 </a:t>
-            </a:r>
-            <a:r>
-              <a:rPr lang="en-US" sz="2000" b="1" dirty="0" err="1">
-                <a:latin typeface="Courier" charset="0"/>
-                <a:ea typeface="Courier" charset="0"/>
-                <a:cs typeface="Courier" charset="0"/>
-              </a:rPr>
-              <a:t>settings.py</a:t>
-            </a:r>
-            <a:endParaRPr lang="en-US" sz="2000" b="1" dirty="0">
-              <a:latin typeface="Courier" charset="0"/>
-              <a:ea typeface="Courier" charset="0"/>
-              <a:cs typeface="Courier" charset="0"/>
-            </a:endParaRPr>
-          </a:p>
-          <a:p>
-            <a:r>
-              <a:rPr lang="en-US" sz="2000" b="1" dirty="0">
-                <a:latin typeface="Courier" charset="0"/>
-                <a:ea typeface="Courier" charset="0"/>
-                <a:cs typeface="Courier" charset="0"/>
-              </a:rPr>
-              <a:t>-</a:t>
-            </a:r>
-            <a:r>
-              <a:rPr lang="en-US" sz="2000" b="1" dirty="0" err="1">
-                <a:latin typeface="Courier" charset="0"/>
-                <a:ea typeface="Courier" charset="0"/>
-                <a:cs typeface="Courier" charset="0"/>
-              </a:rPr>
-              <a:t>rw</a:t>
-            </a:r>
-            <a:r>
-              <a:rPr lang="en-US" sz="2000" b="1" dirty="0">
-                <a:latin typeface="Courier" charset="0"/>
-                <a:ea typeface="Courier" charset="0"/>
-                <a:cs typeface="Courier" charset="0"/>
-              </a:rPr>
-              <a:t>-r--r--  1 csev  staff  2382 Apr 26 </a:t>
-            </a:r>
-            <a:r>
-              <a:rPr lang="en-US" sz="2000" b="1" dirty="0" err="1">
-                <a:latin typeface="Courier" charset="0"/>
-                <a:ea typeface="Courier" charset="0"/>
-                <a:cs typeface="Courier" charset="0"/>
-              </a:rPr>
-              <a:t>urls.py</a:t>
-            </a:r>
-            <a:endParaRPr lang="en-US" sz="2000" b="1" dirty="0">
-              <a:latin typeface="Courier" charset="0"/>
-              <a:ea typeface="Courier" charset="0"/>
-              <a:cs typeface="Courier" charset="0"/>
-            </a:endParaRPr>
-          </a:p>
-          <a:p>
-            <a:r>
-              <a:rPr lang="en-US" sz="2000" b="1" dirty="0">
-                <a:latin typeface="Courier" charset="0"/>
-                <a:ea typeface="Courier" charset="0"/>
-                <a:cs typeface="Courier" charset="0"/>
-              </a:rPr>
-              <a:t>-</a:t>
-            </a:r>
-            <a:r>
-              <a:rPr lang="en-US" sz="2000" b="1" dirty="0" err="1">
-                <a:latin typeface="Courier" charset="0"/>
-                <a:ea typeface="Courier" charset="0"/>
-                <a:cs typeface="Courier" charset="0"/>
-              </a:rPr>
-              <a:t>rw</a:t>
-            </a:r>
-            <a:r>
-              <a:rPr lang="en-US" sz="2000" b="1" dirty="0">
-                <a:latin typeface="Courier" charset="0"/>
-                <a:ea typeface="Courier" charset="0"/>
-                <a:cs typeface="Courier" charset="0"/>
-              </a:rPr>
-              <a:t>-r--r--  1 csev  staff   391 Feb 15 </a:t>
-            </a:r>
-            <a:r>
-              <a:rPr lang="en-US" sz="2000" b="1" dirty="0" err="1" smtClean="0">
-                <a:latin typeface="Courier" charset="0"/>
-                <a:ea typeface="Courier" charset="0"/>
-                <a:cs typeface="Courier" charset="0"/>
-              </a:rPr>
-              <a:t>wsgi.py</a:t>
-            </a:r>
-            <a:endParaRPr lang="en-US" sz="2000" b="1" dirty="0" smtClean="0">
-              <a:latin typeface="Courier" charset="0"/>
-              <a:ea typeface="Courier" charset="0"/>
-              <a:cs typeface="Courier" charset="0"/>
-            </a:endParaRPr>
-          </a:p>
-          <a:p>
-            <a:r>
-              <a:rPr lang="en-US" sz="2000" b="1" dirty="0">
-                <a:latin typeface="Courier" charset="0"/>
-                <a:ea typeface="Courier" charset="0"/>
-                <a:cs typeface="Courier" charset="0"/>
-              </a:rPr>
-              <a:t>-</a:t>
-            </a:r>
-            <a:r>
-              <a:rPr lang="en-US" sz="2000" b="1" dirty="0" err="1">
-                <a:latin typeface="Courier" charset="0"/>
-                <a:ea typeface="Courier" charset="0"/>
-                <a:cs typeface="Courier" charset="0"/>
-              </a:rPr>
-              <a:t>rw</a:t>
-            </a:r>
-            <a:r>
-              <a:rPr lang="en-US" sz="2000" b="1" dirty="0">
-                <a:latin typeface="Courier" charset="0"/>
-                <a:ea typeface="Courier" charset="0"/>
-                <a:cs typeface="Courier" charset="0"/>
-              </a:rPr>
-              <a:t>-r--r--  1 csev  staff   </a:t>
-            </a:r>
-            <a:r>
-              <a:rPr lang="en-US" sz="2000" b="1" dirty="0" smtClean="0">
-                <a:latin typeface="Courier" charset="0"/>
-                <a:ea typeface="Courier" charset="0"/>
-                <a:cs typeface="Courier" charset="0"/>
-              </a:rPr>
-              <a:t>389 Feb </a:t>
-            </a:r>
-            <a:r>
-              <a:rPr lang="en-US" sz="2000" b="1" dirty="0">
-                <a:latin typeface="Courier" charset="0"/>
-                <a:ea typeface="Courier" charset="0"/>
-                <a:cs typeface="Courier" charset="0"/>
-              </a:rPr>
-              <a:t>15 </a:t>
-            </a:r>
-            <a:r>
-              <a:rPr lang="en-US" sz="2000" b="1" dirty="0" err="1" smtClean="0">
-                <a:latin typeface="Courier" charset="0"/>
-                <a:ea typeface="Courier" charset="0"/>
-                <a:cs typeface="Courier" charset="0"/>
-              </a:rPr>
-              <a:t>asgi.py</a:t>
-            </a:r>
-            <a:endParaRPr lang="en-US" sz="2000" b="1" dirty="0">
-              <a:latin typeface="Courier" charset="0"/>
-              <a:ea typeface="Courier" charset="0"/>
-              <a:cs typeface="Courier" charset="0"/>
-            </a:endParaRPr>
-          </a:p>
-          <a:p>
-            <a:endParaRPr lang="en-US" sz="2000" b="1" dirty="0">
-              <a:latin typeface="Courier" charset="0"/>
-              <a:ea typeface="Courier" charset="0"/>
-              <a:cs typeface="Courier" charset="0"/>
-            </a:endParaRPr>
-          </a:p>
-          <a:p>
-            <a:r>
               <a:rPr lang="en-US" sz="2000" b="1" dirty="0" smtClean="0">
                 <a:solidFill>
                   <a:srgbClr val="00B0F0"/>
@@ -6106,7 +5835,7 @@
                 <a:ea typeface="Courier" charset="0"/>
                 <a:cs typeface="Courier" charset="0"/>
               </a:rPr>
-              <a:t>polls</a:t>
+              <a:t>dj4e-samples</a:t>
             </a:r>
             <a:r>
               <a:rPr lang="en-US" sz="2000" b="1" dirty="0" smtClean="0">
@@ -6145,7 +5874,7 @@
                 <a:ea typeface="Courier" charset="0"/>
                 <a:cs typeface="Courier" charset="0"/>
               </a:rPr>
-              <a:t>-r--r--  1 csev  staff    0 Feb 24 __</a:t>
+              <a:t>-r--r--  1 csev  staff     0 Feb 15 __</a:t>
             </a:r>
             <a:r>
               <a:rPr lang="en-US" sz="2000" b="1" dirty="0" err="1">
@@ -6200,7 +5929,7 @@
                 <a:ea typeface="Courier" charset="0"/>
                 <a:cs typeface="Courier" charset="0"/>
               </a:rPr>
-              <a:t>-r--r--  1 csev  staff   63 Feb 24 </a:t>
+              <a:t>-r--r--  1 csev  staff  6106 Apr 23 </a:t>
             </a:r>
             <a:r>
               <a:rPr lang="en-US" sz="2000" b="1" dirty="0" err="1">
@@ -6208,7 +5937,7 @@
                 <a:ea typeface="Courier" charset="0"/>
                 <a:cs typeface="Courier" charset="0"/>
               </a:rPr>
-              <a:t>admin.py</a:t>
+              <a:t>settings.py</a:t>
             </a:r>
             <a:endParaRPr lang="en-US" sz="2000" b="1" dirty="0">
               <a:latin typeface="Courier" charset="0"/>
@@ -6239,7 +5968,7 @@
                 <a:ea typeface="Courier" charset="0"/>
                 <a:cs typeface="Courier" charset="0"/>
               </a:rPr>
-              <a:t>-r--r--  1 csev  staff   85 Feb 24 </a:t>
+              <a:t>-r--r--  1 csev  staff  2382 Apr 26 </a:t>
             </a:r>
             <a:r>
               <a:rPr lang="en-US" sz="2000" b="1" dirty="0" err="1">
@@ -6247,7 +5976,7 @@
                 <a:ea typeface="Courier" charset="0"/>
                 <a:cs typeface="Courier" charset="0"/>
               </a:rPr>
-              <a:t>apps.py</a:t>
+              <a:t>urls.py</a:t>
             </a:r>
             <a:endParaRPr lang="en-US" sz="2000" b="1" dirty="0">
               <a:latin typeface="Courier" charset="0"/>
@@ -6257,12 +5986,20 @@
           </a:p>
           <a:p>
             <a:r>
+              <a:rPr lang="en-US" sz="2000" b="1" dirty="0">
+                <a:latin typeface="Courier" charset="0"/>
+                <a:ea typeface="Courier" charset="0"/>
+                <a:cs typeface="Courier" charset="0"/>
+              </a:rPr>
+              <a:t>-</a:t>
+            </a:r>
+            <a:r>
               <a:rPr lang="en-US" sz="2000" b="1" dirty="0" err="1">
                 <a:latin typeface="Courier" charset="0"/>
                 <a:ea typeface="Courier" charset="0"/>
                 <a:cs typeface="Courier" charset="0"/>
               </a:rPr>
-              <a:t>drwxr</a:t>
+              <a:t>rw</a:t>
             </a:r>
             <a:r>
               <a:rPr lang="en-US" sz="2000" b="1" dirty="0">
@@ -6270,58 +6007,30 @@
                 <a:ea typeface="Courier" charset="0"/>
                 <a:cs typeface="Courier" charset="0"/>
               </a:rPr>
-              <a:t>-</a:t>
-            </a:r>
-            <a:r>
-              <a:rPr lang="en-US" sz="2000" b="1" dirty="0" err="1">
+              <a:t>-r--r--  1 csev  staff   391 Feb 15 </a:t>
+            </a:r>
+            <a:r>
+              <a:rPr lang="en-US" sz="2000" b="1" dirty="0" err="1" smtClean="0">
                 <a:latin typeface="Courier" charset="0"/>
                 <a:ea typeface="Courier" charset="0"/>
                 <a:cs typeface="Courier" charset="0"/>
               </a:rPr>
-              <a:t>xr</a:t>
-            </a:r>
-            <a:r>
-              <a:rPr lang="en-US" sz="2000" b="1" dirty="0">
-                <a:latin typeface="Courier" charset="0"/>
-                <a:ea typeface="Courier" charset="0"/>
-                <a:cs typeface="Courier" charset="0"/>
-              </a:rPr>
-              <a:t>-x  4 csev  staff  128 Feb 24 migrations</a:t>
-            </a:r>
-          </a:p>
-          <a:p>
-            <a:r>
-              <a:rPr lang="en-US" sz="2000" b="1" dirty="0">
-                <a:latin typeface="Courier" charset="0"/>
-                <a:ea typeface="Courier" charset="0"/>
-                <a:cs typeface="Courier" charset="0"/>
-              </a:rPr>
-              <a:t>-</a:t>
-            </a:r>
-            <a:r>
-              <a:rPr lang="en-US" sz="2000" b="1" dirty="0" err="1">
-                <a:latin typeface="Courier" charset="0"/>
-                <a:ea typeface="Courier" charset="0"/>
-                <a:cs typeface="Courier" charset="0"/>
-              </a:rPr>
-              <a:t>rw</a:t>
-            </a:r>
-            <a:r>
-              <a:rPr lang="en-US" sz="2000" b="1" dirty="0">
-                <a:latin typeface="Courier" charset="0"/>
-                <a:ea typeface="Courier" charset="0"/>
-                <a:cs typeface="Courier" charset="0"/>
-              </a:rPr>
-              <a:t>-r--r--  1 csev  staff   57 Feb 24 </a:t>
-            </a:r>
-            <a:r>
-              <a:rPr lang="en-US" sz="2000" b="1" dirty="0" err="1">
-                <a:latin typeface="Courier" charset="0"/>
-                <a:ea typeface="Courier" charset="0"/>
-                <a:cs typeface="Courier" charset="0"/>
-              </a:rPr>
-              <a:t>models.py</a:t>
-            </a:r>
+              <a:t>wsgi.py</a:t>
+            </a:r>
+            <a:endParaRPr lang="en-US" sz="2000" b="1" dirty="0" smtClean="0">
+              <a:latin typeface="Courier" charset="0"/>
+              <a:ea typeface="Courier" charset="0"/>
+              <a:cs typeface="Courier" charset="0"/>
+            </a:endParaRPr>
+          </a:p>
+          <a:p>
+            <a:endParaRPr lang="en-US" sz="2000" b="1" dirty="0" smtClean="0">
+              <a:latin typeface="Courier" charset="0"/>
+              <a:ea typeface="Courier" charset="0"/>
+              <a:cs typeface="Courier" charset="0"/>
+            </a:endParaRPr>
+          </a:p>
+          <a:p>
             <a:endParaRPr lang="en-US" sz="2000" b="1" dirty="0">
               <a:latin typeface="Courier" charset="0"/>
               <a:ea typeface="Courier" charset="0"/>
@@ -6330,36 +6039,23 @@
           </a:p>
           <a:p>
             <a:r>
-              <a:rPr lang="en-US" sz="2000" b="1" dirty="0">
+              <a:rPr lang="en-US" sz="2000" b="1" dirty="0" smtClean="0">
+                <a:solidFill>
+                  <a:srgbClr val="00B0F0"/>
+                </a:solidFill>
                 <a:latin typeface="Courier" charset="0"/>
                 <a:ea typeface="Courier" charset="0"/>
                 <a:cs typeface="Courier" charset="0"/>
               </a:rPr>
-              <a:t>-</a:t>
-            </a:r>
-            <a:r>
-              <a:rPr lang="en-US" sz="2000" b="1" dirty="0" err="1">
+              <a:t>home</a:t>
+            </a:r>
+            <a:r>
+              <a:rPr lang="en-US" sz="2000" b="1" dirty="0" smtClean="0">
                 <a:latin typeface="Courier" charset="0"/>
                 <a:ea typeface="Courier" charset="0"/>
                 <a:cs typeface="Courier" charset="0"/>
               </a:rPr>
-              <a:t>rw</a:t>
-            </a:r>
-            <a:r>
-              <a:rPr lang="en-US" sz="2000" b="1" dirty="0">
-                <a:latin typeface="Courier" charset="0"/>
-                <a:ea typeface="Courier" charset="0"/>
-                <a:cs typeface="Courier" charset="0"/>
-              </a:rPr>
-              <a:t>-r--r--  1 csev  staff   60 Feb 24 </a:t>
-            </a:r>
-            <a:r>
-              <a:rPr lang="en-US" sz="2000" b="1" dirty="0" err="1">
-                <a:latin typeface="Courier" charset="0"/>
-                <a:ea typeface="Courier" charset="0"/>
-                <a:cs typeface="Courier" charset="0"/>
-              </a:rPr>
-              <a:t>tests.py</a:t>
+              <a:t>:</a:t>
             </a:r>
             <a:endParaRPr lang="en-US" sz="2000" b="1" dirty="0">
               <a:latin typeface="Courier" charset="0"/>
@@ -6369,12 +6065,28 @@
           </a:p>
           <a:p>
             <a:r>
+              <a:rPr lang="en-US" sz="2000" b="1" dirty="0" smtClean="0">
+                <a:latin typeface="Courier" charset="0"/>
+                <a:ea typeface="Courier" charset="0"/>
+                <a:cs typeface="Courier" charset="0"/>
+              </a:rPr>
+              <a:t>-</a:t>
+            </a:r>
+            <a:r>
+              <a:rPr lang="en-US" sz="2000" b="1" dirty="0" err="1">
+                <a:latin typeface="Courier" charset="0"/>
+                <a:ea typeface="Courier" charset="0"/>
+                <a:cs typeface="Courier" charset="0"/>
+              </a:rPr>
+              <a:t>rw</a:t>
+            </a:r>
+            <a:r>
               <a:rPr lang="en-US" sz="2000" b="1" dirty="0">
                 <a:latin typeface="Courier" charset="0"/>
                 <a:ea typeface="Courier" charset="0"/>
                 <a:cs typeface="Courier" charset="0"/>
               </a:rPr>
-              <a:t>-</a:t>
+              <a:t>-r--r--  1 csev  staff    0 Feb 24 __</a:t>
             </a:r>
             <a:r>
               <a:rPr lang="en-US" sz="2000" b="1" dirty="0" err="1">
@@ -6382,7 +6094,7 @@
                 <a:ea typeface="Courier" charset="0"/>
                 <a:cs typeface="Courier" charset="0"/>
               </a:rPr>
-              <a:t>rw</a:t>
+              <a:t>init</a:t>
             </a:r>
             <a:r>
               <a:rPr lang="en-US" sz="2000" b="1" dirty="0">
@@ -6390,7 +6102,7 @@
                 <a:ea typeface="Courier" charset="0"/>
                 <a:cs typeface="Courier" charset="0"/>
               </a:rPr>
-              <a:t>-r--r--  1 csev  staff  101 Feb 24 </a:t>
+              <a:t>__.</a:t>
             </a:r>
             <a:r>
               <a:rPr lang="en-US" sz="2000" b="1" dirty="0" err="1">
@@ -6398,7 +6110,7 @@
                 <a:ea typeface="Courier" charset="0"/>
                 <a:cs typeface="Courier" charset="0"/>
               </a:rPr>
-              <a:t>urls.py</a:t>
+              <a:t>py</a:t>
             </a:r>
             <a:endParaRPr lang="en-US" sz="2000" b="1" dirty="0">
               <a:latin typeface="Courier" charset="0"/>
@@ -6429,7 +6141,7 @@
                 <a:ea typeface="Courier" charset="0"/>
                 <a:cs typeface="Courier" charset="0"/>
               </a:rPr>
-              <a:t>-r--r--  1 csev  staff  509 Feb 24 </a:t>
+              <a:t>-r--r--  1 csev  staff   63 Feb 24 </a:t>
             </a:r>
             <a:r>
               <a:rPr lang="en-US" sz="2000" b="1" dirty="0" err="1">
@@ -6437,7 +6149,7 @@
                 <a:ea typeface="Courier" charset="0"/>
                 <a:cs typeface="Courier" charset="0"/>
               </a:rPr>
-              <a:t>views.py</a:t>
+              <a:t>admin.py</a:t>
             </a:r>
             <a:endParaRPr lang="en-US" sz="2000" b="1" dirty="0">
               <a:latin typeface="Courier" charset="0"/>
@@ -6445,6 +6157,235 @@
               <a:cs typeface="Courier" charset="0"/>
             </a:endParaRPr>
           </a:p>
+          <a:p>
+            <a:r>
+              <a:rPr lang="en-US" sz="2000" b="1" dirty="0">
+                <a:latin typeface="Courier" charset="0"/>
+                <a:ea typeface="Courier" charset="0"/>
+                <a:cs typeface="Courier" charset="0"/>
+              </a:rPr>
+              <a:t>-</a:t>
+            </a:r>
+            <a:r>
+              <a:rPr lang="en-US" sz="2000" b="1" dirty="0" err="1">
+                <a:latin typeface="Courier" charset="0"/>
+                <a:ea typeface="Courier" charset="0"/>
+                <a:cs typeface="Courier" charset="0"/>
+              </a:rPr>
+              <a:t>rw</a:t>
+            </a:r>
+            <a:r>
+              <a:rPr lang="en-US" sz="2000" b="1" dirty="0">
+                <a:latin typeface="Courier" charset="0"/>
+                <a:ea typeface="Courier" charset="0"/>
+                <a:cs typeface="Courier" charset="0"/>
+              </a:rPr>
+              <a:t>-r--r--  1 csev  staff   85 Feb 24 </a:t>
+            </a:r>
+            <a:r>
+              <a:rPr lang="en-US" sz="2000" b="1" dirty="0" err="1">
+                <a:latin typeface="Courier" charset="0"/>
+                <a:ea typeface="Courier" charset="0"/>
+                <a:cs typeface="Courier" charset="0"/>
+              </a:rPr>
+              <a:t>apps.py</a:t>
+            </a:r>
+            <a:endParaRPr lang="en-US" sz="2000" b="1" dirty="0">
+              <a:latin typeface="Courier" charset="0"/>
+              <a:ea typeface="Courier" charset="0"/>
+              <a:cs typeface="Courier" charset="0"/>
+            </a:endParaRPr>
+          </a:p>
+          <a:p>
+            <a:r>
+              <a:rPr lang="en-US" sz="2000" b="1" dirty="0" err="1">
+                <a:latin typeface="Courier" charset="0"/>
+                <a:ea typeface="Courier" charset="0"/>
+                <a:cs typeface="Courier" charset="0"/>
+              </a:rPr>
+              <a:t>drwxr</a:t>
+            </a:r>
+            <a:r>
+              <a:rPr lang="en-US" sz="2000" b="1" dirty="0">
+                <a:latin typeface="Courier" charset="0"/>
+                <a:ea typeface="Courier" charset="0"/>
+                <a:cs typeface="Courier" charset="0"/>
+              </a:rPr>
+              <a:t>-</a:t>
+            </a:r>
+            <a:r>
+              <a:rPr lang="en-US" sz="2000" b="1" dirty="0" err="1">
+                <a:latin typeface="Courier" charset="0"/>
+                <a:ea typeface="Courier" charset="0"/>
+                <a:cs typeface="Courier" charset="0"/>
+              </a:rPr>
+              <a:t>xr</a:t>
+            </a:r>
+            <a:r>
+              <a:rPr lang="en-US" sz="2000" b="1" dirty="0">
+                <a:latin typeface="Courier" charset="0"/>
+                <a:ea typeface="Courier" charset="0"/>
+                <a:cs typeface="Courier" charset="0"/>
+              </a:rPr>
+              <a:t>-x  4 csev  staff  128 Feb 24 migrations</a:t>
+            </a:r>
+          </a:p>
+          <a:p>
+            <a:r>
+              <a:rPr lang="en-US" sz="2000" b="1" dirty="0">
+                <a:latin typeface="Courier" charset="0"/>
+                <a:ea typeface="Courier" charset="0"/>
+                <a:cs typeface="Courier" charset="0"/>
+              </a:rPr>
+              <a:t>-</a:t>
+            </a:r>
+            <a:r>
+              <a:rPr lang="en-US" sz="2000" b="1" dirty="0" err="1">
+                <a:latin typeface="Courier" charset="0"/>
+                <a:ea typeface="Courier" charset="0"/>
+                <a:cs typeface="Courier" charset="0"/>
+              </a:rPr>
+              <a:t>rw</a:t>
+            </a:r>
+            <a:r>
+              <a:rPr lang="en-US" sz="2000" b="1" dirty="0">
+                <a:latin typeface="Courier" charset="0"/>
+                <a:ea typeface="Courier" charset="0"/>
+                <a:cs typeface="Courier" charset="0"/>
+              </a:rPr>
+              <a:t>-r--r--  1 csev  staff   57 Feb 24 </a:t>
+            </a:r>
+            <a:r>
+              <a:rPr lang="en-US" sz="2000" b="1" dirty="0" err="1">
+                <a:latin typeface="Courier" charset="0"/>
+                <a:ea typeface="Courier" charset="0"/>
+                <a:cs typeface="Courier" charset="0"/>
+              </a:rPr>
+              <a:t>models.py</a:t>
+            </a:r>
+            <a:endParaRPr lang="en-US" sz="2000" b="1" dirty="0">
+              <a:latin typeface="Courier" charset="0"/>
+              <a:ea typeface="Courier" charset="0"/>
+              <a:cs typeface="Courier" charset="0"/>
+            </a:endParaRPr>
+          </a:p>
+          <a:p>
+            <a:r>
+              <a:rPr lang="en-US" sz="2000" b="1" dirty="0">
+                <a:latin typeface="Courier" charset="0"/>
+                <a:ea typeface="Courier" charset="0"/>
+                <a:cs typeface="Courier" charset="0"/>
+              </a:rPr>
+              <a:t>-</a:t>
+            </a:r>
+            <a:r>
+              <a:rPr lang="en-US" sz="2000" b="1" dirty="0" err="1">
+                <a:latin typeface="Courier" charset="0"/>
+                <a:ea typeface="Courier" charset="0"/>
+                <a:cs typeface="Courier" charset="0"/>
+              </a:rPr>
+              <a:t>rw</a:t>
+            </a:r>
+            <a:r>
+              <a:rPr lang="en-US" sz="2000" b="1" dirty="0">
+                <a:latin typeface="Courier" charset="0"/>
+                <a:ea typeface="Courier" charset="0"/>
+                <a:cs typeface="Courier" charset="0"/>
+              </a:rPr>
+              <a:t>-r--r--  1 csev  staff   60 Feb 24 </a:t>
+            </a:r>
+            <a:r>
+              <a:rPr lang="en-US" sz="2000" b="1" dirty="0" err="1">
+                <a:latin typeface="Courier" charset="0"/>
+                <a:ea typeface="Courier" charset="0"/>
+                <a:cs typeface="Courier" charset="0"/>
+              </a:rPr>
+              <a:t>tests.py</a:t>
+            </a:r>
+            <a:endParaRPr lang="en-US" sz="2000" b="1" dirty="0">
+              <a:latin typeface="Courier" charset="0"/>
+              <a:ea typeface="Courier" charset="0"/>
+              <a:cs typeface="Courier" charset="0"/>
+            </a:endParaRPr>
+          </a:p>
+          <a:p>
+            <a:r>
+              <a:rPr lang="en-US" sz="2000" b="1" dirty="0">
+                <a:latin typeface="Courier" charset="0"/>
+                <a:ea typeface="Courier" charset="0"/>
+                <a:cs typeface="Courier" charset="0"/>
+              </a:rPr>
+              <a:t>-</a:t>
+            </a:r>
+            <a:r>
+              <a:rPr lang="en-US" sz="2000" b="1" dirty="0" err="1">
+                <a:latin typeface="Courier" charset="0"/>
+                <a:ea typeface="Courier" charset="0"/>
+                <a:cs typeface="Courier" charset="0"/>
+              </a:rPr>
+              <a:t>rw</a:t>
+            </a:r>
+            <a:r>
+              <a:rPr lang="en-US" sz="2000" b="1" dirty="0">
+                <a:latin typeface="Courier" charset="0"/>
+                <a:ea typeface="Courier" charset="0"/>
+                <a:cs typeface="Courier" charset="0"/>
+              </a:rPr>
+              <a:t>-r--r--  1 csev  staff  101 Feb 24 </a:t>
+            </a:r>
+            <a:r>
+              <a:rPr lang="en-US" sz="2000" b="1" dirty="0" err="1">
+                <a:latin typeface="Courier" charset="0"/>
+                <a:ea typeface="Courier" charset="0"/>
+                <a:cs typeface="Courier" charset="0"/>
+              </a:rPr>
+              <a:t>urls.py</a:t>
+            </a:r>
+            <a:endParaRPr lang="en-US" sz="2000" b="1" dirty="0">
+              <a:latin typeface="Courier" charset="0"/>
+              <a:ea typeface="Courier" charset="0"/>
+              <a:cs typeface="Courier" charset="0"/>
+            </a:endParaRPr>
+          </a:p>
+          <a:p>
+            <a:r>
+              <a:rPr lang="en-US" sz="2000" b="1" dirty="0">
+                <a:latin typeface="Courier" charset="0"/>
+                <a:ea typeface="Courier" charset="0"/>
+                <a:cs typeface="Courier" charset="0"/>
+              </a:rPr>
+              <a:t>-</a:t>
+            </a:r>
+            <a:r>
+              <a:rPr lang="en-US" sz="2000" b="1" dirty="0" err="1">
+                <a:latin typeface="Courier" charset="0"/>
+                <a:ea typeface="Courier" charset="0"/>
+                <a:cs typeface="Courier" charset="0"/>
+              </a:rPr>
+              <a:t>rw</a:t>
+            </a:r>
+            <a:r>
+              <a:rPr lang="en-US" sz="2000" b="1" dirty="0">
+                <a:latin typeface="Courier" charset="0"/>
+                <a:ea typeface="Courier" charset="0"/>
+                <a:cs typeface="Courier" charset="0"/>
+              </a:rPr>
+              <a:t>-r--r--  1 csev  staff  509 Feb 24 </a:t>
+            </a:r>
+            <a:r>
+              <a:rPr lang="en-US" sz="2000" b="1" dirty="0" err="1">
+                <a:latin typeface="Courier" charset="0"/>
+                <a:ea typeface="Courier" charset="0"/>
+                <a:cs typeface="Courier" charset="0"/>
+              </a:rPr>
+              <a:t>views.py</a:t>
+            </a:r>
+            <a:endParaRPr lang="en-US" sz="2000" b="1" dirty="0">
+              <a:latin typeface="Courier" charset="0"/>
+              <a:ea typeface="Courier" charset="0"/>
+              <a:cs typeface="Courier" charset="0"/>
+            </a:endParaRPr>
+          </a:p>
         </p:txBody>
       </p:sp>
       <p:sp>
@@ -6455,8 +6396,8 @@
         </p:nvSpPr>
         <p:spPr>
           <a:xfrm>
-            <a:off x="8669867" y="2914650"/>
-            <a:ext cx="3079689" cy="369332"/>
+            <a:off x="7141104" y="3014663"/>
+            <a:ext cx="4733988" cy="369332"/>
           </a:xfrm>
           <a:prstGeom prst="rect">
             <a:avLst/>
@@ -6470,7 +6411,7 @@
           <a:lstStyle/>
           <a:p>
             <a:r>
-              <a:rPr lang="en-US" b="1" dirty="0" err="1" smtClean="0">
+              <a:rPr lang="en-US" b="1" smtClean="0">
                 <a:solidFill>
                   <a:srgbClr val="FFFF00"/>
                 </a:solidFill>
@@ -6478,40 +6419,7 @@
                 <a:ea typeface="Courier" charset="0"/>
                 <a:cs typeface="Courier" charset="0"/>
               </a:rPr>
-              <a:t>mysite</a:t>
-            </a:r>
-            <a:r>
-              <a:rPr lang="en-US" b="1" dirty="0" smtClean="0">
-                <a:solidFill>
-                  <a:srgbClr val="FFFF00"/>
-                </a:solidFill>
-                <a:latin typeface="Courier" charset="0"/>
-                <a:ea typeface="Courier" charset="0"/>
-                <a:cs typeface="Courier" charset="0"/>
-              </a:rPr>
-              <a:t>/</a:t>
-            </a:r>
-            <a:r>
-              <a:rPr lang="en-US" b="1" dirty="0" err="1" smtClean="0">
-                <a:solidFill>
-                  <a:srgbClr val="FFFF00"/>
-                </a:solidFill>
-                <a:latin typeface="Courier" charset="0"/>
-                <a:ea typeface="Courier" charset="0"/>
-                <a:cs typeface="Courier" charset="0"/>
-              </a:rPr>
-              <a:t>mysite</a:t>
-            </a:r>
-            <a:r>
-              <a:rPr lang="en-US" b="1" dirty="0" smtClean="0">
-                <a:solidFill>
-                  <a:srgbClr val="FFFF00"/>
-                </a:solidFill>
-                <a:latin typeface="Courier" charset="0"/>
-                <a:ea typeface="Courier" charset="0"/>
-                <a:cs typeface="Courier" charset="0"/>
-              </a:rPr>
-              <a:t>/</a:t>
+              <a:t>dj4e-samples/dj4e-samples/</a:t>
             </a:r>
             <a:r>
               <a:rPr lang="en-US" b="1" dirty="0" err="1" smtClean="0">
@@ -6545,8 +6453,8 @@
         </p:nvCxnSpPr>
         <p:spPr>
           <a:xfrm flipH="1" flipV="1">
-            <a:off x="8015288" y="2300288"/>
-            <a:ext cx="2194424" cy="614362"/>
+            <a:off x="7915275" y="2271713"/>
+            <a:ext cx="1592823" cy="742950"/>
           </a:xfrm>
           <a:prstGeom prst="straightConnector1">
             <a:avLst/>

--- a/lectures/DJ-01-Structure.pptx
+++ b/lectures/DJ-01-Structure.pptx
@@ -7777,7 +7777,7 @@
             <a:pPr algn="ctr"/>
             <a:r>
               <a:rPr lang="en-US" dirty="0" err="1" smtClean="0"/>
-              <a:t>model.py</a:t>
+              <a:t>models.py</a:t>
             </a:r>
             <a:endParaRPr lang="en-US" dirty="0"/>
           </a:p>
@@ -9385,6 +9385,13 @@
   <p:clrMapOvr>
     <a:masterClrMapping/>
   </p:clrMapOvr>
+  <p:timing>
+    <p:tnLst>
+      <p:par>
+        <p:cTn id="1" dur="indefinite" restart="never" nodeType="tmRoot"/>
+      </p:par>
+    </p:tnLst>
+  </p:timing>
 </p:sld>
 </file>
 
@@ -10520,6 +10527,13 @@
   <p:clrMapOvr>
     <a:masterClrMapping/>
   </p:clrMapOvr>
+  <p:timing>
+    <p:tnLst>
+      <p:par>
+        <p:cTn id="1" dur="indefinite" restart="never" nodeType="tmRoot"/>
+      </p:par>
+    </p:tnLst>
+  </p:timing>
 </p:sld>
 </file>
 

--- a/lectures/DJ-01-Structure.pptx
+++ b/lectures/DJ-01-Structure.pptx
@@ -210,7 +210,7 @@
           <a:p>
             <a:fld id="{50B45596-9E8A-1341-85F9-3131B49433D0}" type="datetimeFigureOut">
               <a:rPr lang="en-US" smtClean="0"/>
-              <a:t>1/17/20</a:t>
+              <a:t>7/9/20</a:t>
             </a:fld>
             <a:endParaRPr lang="en-US"/>
           </a:p>
@@ -715,7 +715,7 @@
           <a:p>
             <a:fld id="{413CA8BA-03F0-8A40-9C15-559693455F49}" type="datetimeFigureOut">
               <a:rPr lang="en-US" smtClean="0"/>
-              <a:t>1/17/20</a:t>
+              <a:t>7/9/20</a:t>
             </a:fld>
             <a:endParaRPr lang="en-US"/>
           </a:p>
@@ -880,7 +880,7 @@
           <a:p>
             <a:fld id="{413CA8BA-03F0-8A40-9C15-559693455F49}" type="datetimeFigureOut">
               <a:rPr lang="en-US" smtClean="0"/>
-              <a:t>1/17/20</a:t>
+              <a:t>7/9/20</a:t>
             </a:fld>
             <a:endParaRPr lang="en-US"/>
           </a:p>
@@ -1055,7 +1055,7 @@
           <a:p>
             <a:fld id="{413CA8BA-03F0-8A40-9C15-559693455F49}" type="datetimeFigureOut">
               <a:rPr lang="en-US" smtClean="0"/>
-              <a:t>1/17/20</a:t>
+              <a:t>7/9/20</a:t>
             </a:fld>
             <a:endParaRPr lang="en-US"/>
           </a:p>
@@ -1220,7 +1220,7 @@
           <a:p>
             <a:fld id="{413CA8BA-03F0-8A40-9C15-559693455F49}" type="datetimeFigureOut">
               <a:rPr lang="en-US" smtClean="0"/>
-              <a:t>1/17/20</a:t>
+              <a:t>7/9/20</a:t>
             </a:fld>
             <a:endParaRPr lang="en-US"/>
           </a:p>
@@ -1461,7 +1461,7 @@
           <a:p>
             <a:fld id="{413CA8BA-03F0-8A40-9C15-559693455F49}" type="datetimeFigureOut">
               <a:rPr lang="en-US" smtClean="0"/>
-              <a:t>1/17/20</a:t>
+              <a:t>7/9/20</a:t>
             </a:fld>
             <a:endParaRPr lang="en-US"/>
           </a:p>
@@ -1688,7 +1688,7 @@
           <a:p>
             <a:fld id="{413CA8BA-03F0-8A40-9C15-559693455F49}" type="datetimeFigureOut">
               <a:rPr lang="en-US" smtClean="0"/>
-              <a:t>1/17/20</a:t>
+              <a:t>7/9/20</a:t>
             </a:fld>
             <a:endParaRPr lang="en-US"/>
           </a:p>
@@ -2050,7 +2050,7 @@
           <a:p>
             <a:fld id="{413CA8BA-03F0-8A40-9C15-559693455F49}" type="datetimeFigureOut">
               <a:rPr lang="en-US" smtClean="0"/>
-              <a:t>1/17/20</a:t>
+              <a:t>7/9/20</a:t>
             </a:fld>
             <a:endParaRPr lang="en-US"/>
           </a:p>
@@ -2163,7 +2163,7 @@
           <a:p>
             <a:fld id="{413CA8BA-03F0-8A40-9C15-559693455F49}" type="datetimeFigureOut">
               <a:rPr lang="en-US" smtClean="0"/>
-              <a:t>1/17/20</a:t>
+              <a:t>7/9/20</a:t>
             </a:fld>
             <a:endParaRPr lang="en-US"/>
           </a:p>
@@ -2253,7 +2253,7 @@
           <a:p>
             <a:fld id="{413CA8BA-03F0-8A40-9C15-559693455F49}" type="datetimeFigureOut">
               <a:rPr lang="en-US" smtClean="0"/>
-              <a:t>1/17/20</a:t>
+              <a:t>7/9/20</a:t>
             </a:fld>
             <a:endParaRPr lang="en-US"/>
           </a:p>
@@ -2525,7 +2525,7 @@
           <a:p>
             <a:fld id="{413CA8BA-03F0-8A40-9C15-559693455F49}" type="datetimeFigureOut">
               <a:rPr lang="en-US" smtClean="0"/>
-              <a:t>1/17/20</a:t>
+              <a:t>7/9/20</a:t>
             </a:fld>
             <a:endParaRPr lang="en-US"/>
           </a:p>
@@ -2777,7 +2777,7 @@
           <a:p>
             <a:fld id="{413CA8BA-03F0-8A40-9C15-559693455F49}" type="datetimeFigureOut">
               <a:rPr lang="en-US" smtClean="0"/>
-              <a:t>1/17/20</a:t>
+              <a:t>7/9/20</a:t>
             </a:fld>
             <a:endParaRPr lang="en-US"/>
           </a:p>
@@ -2985,7 +2985,7 @@
           <a:p>
             <a:fld id="{413CA8BA-03F0-8A40-9C15-559693455F49}" type="datetimeFigureOut">
               <a:rPr lang="en-US" smtClean="0"/>
-              <a:t>1/17/20</a:t>
+              <a:t>7/9/20</a:t>
             </a:fld>
             <a:endParaRPr lang="en-US"/>
           </a:p>
@@ -3609,36 +3609,6 @@
           <a:chExt cx="0" cy="0"/>
         </a:xfrm>
       </p:grpSpPr>
-      <p:pic>
-        <p:nvPicPr>
-          <p:cNvPr id="2" name="Picture 1"/>
-          <p:cNvPicPr>
-            <a:picLocks noChangeAspect="1"/>
-          </p:cNvPicPr>
-          <p:nvPr/>
-        </p:nvPicPr>
-        <p:blipFill rotWithShape="1">
-          <a:blip r:embed="rId2">
-            <a:alphaModFix/>
-            <a:extLst>
-              <a:ext uri="{28A0092B-C50C-407E-A947-70E740481C1C}">
-                <a14:useLocalDpi xmlns:a14="http://schemas.microsoft.com/office/drawing/2010/main" val="0"/>
-              </a:ext>
-            </a:extLst>
-          </a:blip>
-          <a:srcRect b="2174"/>
-          <a:stretch/>
-        </p:blipFill>
-        <p:spPr>
-          <a:xfrm>
-            <a:off x="20" y="11704"/>
-            <a:ext cx="12191980" cy="6857999"/>
-          </a:xfrm>
-          <a:prstGeom prst="rect">
-            <a:avLst/>
-          </a:prstGeom>
-        </p:spPr>
-      </p:pic>
       <p:sp>
         <p:nvSpPr>
           <p:cNvPr id="15" name="Rectangle 14"/>
@@ -3696,7 +3666,7 @@
           <p:nvPr/>
         </p:nvPicPr>
         <p:blipFill>
-          <a:blip r:embed="rId3"/>
+          <a:blip r:embed="rId2"/>
           <a:srcRect/>
           <a:stretch>
             <a:fillRect/>
@@ -3776,7 +3746,7 @@
           <p:nvPr/>
         </p:nvPicPr>
         <p:blipFill>
-          <a:blip r:embed="rId4"/>
+          <a:blip r:embed="rId3"/>
           <a:srcRect/>
           <a:stretch>
             <a:fillRect/>
@@ -3971,7 +3941,7 @@
           <p:nvPr/>
         </p:nvPicPr>
         <p:blipFill>
-          <a:blip r:embed="rId5"/>
+          <a:blip r:embed="rId4"/>
           <a:srcRect/>
           <a:stretch>
             <a:fillRect/>
@@ -4024,36 +3994,6 @@
           <a:chExt cx="0" cy="0"/>
         </a:xfrm>
       </p:grpSpPr>
-      <p:pic>
-        <p:nvPicPr>
-          <p:cNvPr id="2" name="Picture 1"/>
-          <p:cNvPicPr>
-            <a:picLocks noChangeAspect="1"/>
-          </p:cNvPicPr>
-          <p:nvPr/>
-        </p:nvPicPr>
-        <p:blipFill rotWithShape="1">
-          <a:blip r:embed="rId2">
-            <a:alphaModFix/>
-            <a:extLst>
-              <a:ext uri="{28A0092B-C50C-407E-A947-70E740481C1C}">
-                <a14:useLocalDpi xmlns:a14="http://schemas.microsoft.com/office/drawing/2010/main" val="0"/>
-              </a:ext>
-            </a:extLst>
-          </a:blip>
-          <a:srcRect b="2174"/>
-          <a:stretch/>
-        </p:blipFill>
-        <p:spPr>
-          <a:xfrm>
-            <a:off x="20" y="11704"/>
-            <a:ext cx="12191980" cy="6857999"/>
-          </a:xfrm>
-          <a:prstGeom prst="rect">
-            <a:avLst/>
-          </a:prstGeom>
-        </p:spPr>
-      </p:pic>
       <p:sp>
         <p:nvSpPr>
           <p:cNvPr id="15" name="Rectangle 14"/>
@@ -4111,7 +4051,7 @@
           <p:nvPr/>
         </p:nvPicPr>
         <p:blipFill>
-          <a:blip r:embed="rId3"/>
+          <a:blip r:embed="rId2"/>
           <a:srcRect/>
           <a:stretch>
             <a:fillRect/>
@@ -4191,7 +4131,7 @@
           <p:nvPr/>
         </p:nvPicPr>
         <p:blipFill>
-          <a:blip r:embed="rId4"/>
+          <a:blip r:embed="rId3"/>
           <a:srcRect/>
           <a:stretch>
             <a:fillRect/>
@@ -4335,7 +4275,7 @@
           <p:nvPr/>
         </p:nvPicPr>
         <p:blipFill>
-          <a:blip r:embed="rId5"/>
+          <a:blip r:embed="rId4"/>
           <a:srcRect/>
           <a:stretch>
             <a:fillRect/>
@@ -4367,7 +4307,7 @@
           <p:nvPr/>
         </p:nvPicPr>
         <p:blipFill>
-          <a:blip r:embed="rId6"/>
+          <a:blip r:embed="rId5"/>
           <a:srcRect/>
           <a:stretch>
             <a:fillRect/>
@@ -4581,7 +4521,7 @@
           <p:nvPr/>
         </p:nvPicPr>
         <p:blipFill>
-          <a:blip r:embed="rId7"/>
+          <a:blip r:embed="rId6"/>
           <a:srcRect/>
           <a:stretch>
             <a:fillRect/>
@@ -4641,36 +4581,6 @@
           <a:chExt cx="0" cy="0"/>
         </a:xfrm>
       </p:grpSpPr>
-      <p:pic>
-        <p:nvPicPr>
-          <p:cNvPr id="2" name="Picture 1"/>
-          <p:cNvPicPr>
-            <a:picLocks noChangeAspect="1"/>
-          </p:cNvPicPr>
-          <p:nvPr/>
-        </p:nvPicPr>
-        <p:blipFill rotWithShape="1">
-          <a:blip r:embed="rId2">
-            <a:alphaModFix/>
-            <a:extLst>
-              <a:ext uri="{28A0092B-C50C-407E-A947-70E740481C1C}">
-                <a14:useLocalDpi xmlns:a14="http://schemas.microsoft.com/office/drawing/2010/main" val="0"/>
-              </a:ext>
-            </a:extLst>
-          </a:blip>
-          <a:srcRect b="2174"/>
-          <a:stretch/>
-        </p:blipFill>
-        <p:spPr>
-          <a:xfrm>
-            <a:off x="20" y="11704"/>
-            <a:ext cx="12191980" cy="6857999"/>
-          </a:xfrm>
-          <a:prstGeom prst="rect">
-            <a:avLst/>
-          </a:prstGeom>
-        </p:spPr>
-      </p:pic>
       <p:sp>
         <p:nvSpPr>
           <p:cNvPr id="15" name="Rectangle 14"/>
@@ -4728,7 +4638,7 @@
           <p:nvPr/>
         </p:nvPicPr>
         <p:blipFill>
-          <a:blip r:embed="rId3"/>
+          <a:blip r:embed="rId2"/>
           <a:srcRect/>
           <a:stretch>
             <a:fillRect/>
@@ -4808,7 +4718,7 @@
           <p:nvPr/>
         </p:nvPicPr>
         <p:blipFill>
-          <a:blip r:embed="rId4"/>
+          <a:blip r:embed="rId3"/>
           <a:srcRect/>
           <a:stretch>
             <a:fillRect/>
@@ -5048,7 +4958,7 @@
           <p:nvPr/>
         </p:nvPicPr>
         <p:blipFill>
-          <a:blip r:embed="rId5"/>
+          <a:blip r:embed="rId4"/>
           <a:srcRect/>
           <a:stretch>
             <a:fillRect/>
@@ -6712,36 +6622,6 @@
           <a:chExt cx="0" cy="0"/>
         </a:xfrm>
       </p:grpSpPr>
-      <p:pic>
-        <p:nvPicPr>
-          <p:cNvPr id="42" name="Picture 41"/>
-          <p:cNvPicPr>
-            <a:picLocks noChangeAspect="1"/>
-          </p:cNvPicPr>
-          <p:nvPr/>
-        </p:nvPicPr>
-        <p:blipFill rotWithShape="1">
-          <a:blip r:embed="rId2">
-            <a:alphaModFix/>
-            <a:extLst>
-              <a:ext uri="{28A0092B-C50C-407E-A947-70E740481C1C}">
-                <a14:useLocalDpi xmlns:a14="http://schemas.microsoft.com/office/drawing/2010/main" val="0"/>
-              </a:ext>
-            </a:extLst>
-          </a:blip>
-          <a:srcRect b="2174"/>
-          <a:stretch/>
-        </p:blipFill>
-        <p:spPr>
-          <a:xfrm>
-            <a:off x="20" y="11704"/>
-            <a:ext cx="12191980" cy="6857999"/>
-          </a:xfrm>
-          <a:prstGeom prst="rect">
-            <a:avLst/>
-          </a:prstGeom>
-        </p:spPr>
-      </p:pic>
       <p:sp>
         <p:nvSpPr>
           <p:cNvPr id="5" name="Rectangle 4"/>
@@ -7978,7 +7858,7 @@
           <p:nvPr/>
         </p:nvPicPr>
         <p:blipFill>
-          <a:blip r:embed="rId3">
+          <a:blip r:embed="rId2">
             <a:extLst>
               <a:ext uri="{28A0092B-C50C-407E-A947-70E740481C1C}">
                 <a14:useLocalDpi xmlns:a14="http://schemas.microsoft.com/office/drawing/2010/main" val="0"/>
@@ -8564,36 +8444,6 @@
           <a:chExt cx="0" cy="0"/>
         </a:xfrm>
       </p:grpSpPr>
-      <p:pic>
-        <p:nvPicPr>
-          <p:cNvPr id="2" name="Picture 1"/>
-          <p:cNvPicPr>
-            <a:picLocks noChangeAspect="1"/>
-          </p:cNvPicPr>
-          <p:nvPr/>
-        </p:nvPicPr>
-        <p:blipFill rotWithShape="1">
-          <a:blip r:embed="rId2">
-            <a:alphaModFix/>
-            <a:extLst>
-              <a:ext uri="{28A0092B-C50C-407E-A947-70E740481C1C}">
-                <a14:useLocalDpi xmlns:a14="http://schemas.microsoft.com/office/drawing/2010/main" val="0"/>
-              </a:ext>
-            </a:extLst>
-          </a:blip>
-          <a:srcRect b="2174"/>
-          <a:stretch/>
-        </p:blipFill>
-        <p:spPr>
-          <a:xfrm>
-            <a:off x="20" y="11704"/>
-            <a:ext cx="12191980" cy="6857999"/>
-          </a:xfrm>
-          <a:prstGeom prst="rect">
-            <a:avLst/>
-          </a:prstGeom>
-        </p:spPr>
-      </p:pic>
       <p:sp>
         <p:nvSpPr>
           <p:cNvPr id="15" name="Rectangle 14"/>
@@ -8651,7 +8501,7 @@
           <p:nvPr/>
         </p:nvPicPr>
         <p:blipFill>
-          <a:blip r:embed="rId3">
+          <a:blip r:embed="rId2">
             <a:extLst>
               <a:ext uri="{28A0092B-C50C-407E-A947-70E740481C1C}">
                 <a14:useLocalDpi xmlns:a14="http://schemas.microsoft.com/office/drawing/2010/main" val="0"/>
@@ -9211,7 +9061,7 @@
           <p:nvPr/>
         </p:nvPicPr>
         <p:blipFill>
-          <a:blip r:embed="rId4"/>
+          <a:blip r:embed="rId3"/>
           <a:stretch>
             <a:fillRect/>
           </a:stretch>
@@ -9235,7 +9085,7 @@
           <p:nvPr/>
         </p:nvPicPr>
         <p:blipFill>
-          <a:blip r:embed="rId5"/>
+          <a:blip r:embed="rId4"/>
           <a:srcRect/>
           <a:stretch>
             <a:fillRect/>
@@ -9306,7 +9156,7 @@
           <p:nvPr/>
         </p:nvPicPr>
         <p:blipFill>
-          <a:blip r:embed="rId6"/>
+          <a:blip r:embed="rId5"/>
           <a:srcRect/>
           <a:stretch>
             <a:fillRect/>
@@ -9412,36 +9262,6 @@
           <a:chExt cx="0" cy="0"/>
         </a:xfrm>
       </p:grpSpPr>
-      <p:pic>
-        <p:nvPicPr>
-          <p:cNvPr id="2" name="Picture 1"/>
-          <p:cNvPicPr>
-            <a:picLocks noChangeAspect="1"/>
-          </p:cNvPicPr>
-          <p:nvPr/>
-        </p:nvPicPr>
-        <p:blipFill rotWithShape="1">
-          <a:blip r:embed="rId2">
-            <a:alphaModFix/>
-            <a:extLst>
-              <a:ext uri="{28A0092B-C50C-407E-A947-70E740481C1C}">
-                <a14:useLocalDpi xmlns:a14="http://schemas.microsoft.com/office/drawing/2010/main" val="0"/>
-              </a:ext>
-            </a:extLst>
-          </a:blip>
-          <a:srcRect b="2174"/>
-          <a:stretch/>
-        </p:blipFill>
-        <p:spPr>
-          <a:xfrm>
-            <a:off x="14210" y="11704"/>
-            <a:ext cx="12191980" cy="6857999"/>
-          </a:xfrm>
-          <a:prstGeom prst="rect">
-            <a:avLst/>
-          </a:prstGeom>
-        </p:spPr>
-      </p:pic>
       <p:sp>
         <p:nvSpPr>
           <p:cNvPr id="15" name="Rectangle 14"/>
@@ -9499,7 +9319,7 @@
           <p:nvPr/>
         </p:nvPicPr>
         <p:blipFill>
-          <a:blip r:embed="rId3">
+          <a:blip r:embed="rId2">
             <a:extLst>
               <a:ext uri="{28A0092B-C50C-407E-A947-70E740481C1C}">
                 <a14:useLocalDpi xmlns:a14="http://schemas.microsoft.com/office/drawing/2010/main" val="0"/>
@@ -10059,7 +9879,7 @@
           <p:nvPr/>
         </p:nvPicPr>
         <p:blipFill>
-          <a:blip r:embed="rId4"/>
+          <a:blip r:embed="rId3"/>
           <a:stretch>
             <a:fillRect/>
           </a:stretch>
@@ -10077,6 +9897,40 @@
       <p:pic>
         <p:nvPicPr>
           <p:cNvPr id="1026" name="Picture 2"/>
+          <p:cNvPicPr>
+            <a:picLocks noChangeAspect="1" noChangeArrowheads="1"/>
+          </p:cNvPicPr>
+          <p:nvPr/>
+        </p:nvPicPr>
+        <p:blipFill>
+          <a:blip r:embed="rId4"/>
+          <a:srcRect/>
+          <a:stretch>
+            <a:fillRect/>
+          </a:stretch>
+        </p:blipFill>
+        <p:spPr bwMode="auto">
+          <a:xfrm>
+            <a:off x="152612" y="788550"/>
+            <a:ext cx="3634076" cy="5606860"/>
+          </a:xfrm>
+          <a:prstGeom prst="rect">
+            <a:avLst/>
+          </a:prstGeom>
+          <a:noFill/>
+          <a:ln w="9525">
+            <a:solidFill>
+              <a:srgbClr val="4D78CC"/>
+            </a:solidFill>
+            <a:miter lim="800000"/>
+            <a:headEnd/>
+            <a:tailEnd/>
+          </a:ln>
+        </p:spPr>
+      </p:pic>
+      <p:pic>
+        <p:nvPicPr>
+          <p:cNvPr id="1028" name="Picture 4"/>
           <p:cNvPicPr>
             <a:picLocks noChangeAspect="1" noChangeArrowheads="1"/>
           </p:cNvPicPr>
@@ -10091,8 +9945,8 @@
         </p:blipFill>
         <p:spPr bwMode="auto">
           <a:xfrm>
-            <a:off x="152612" y="788550"/>
-            <a:ext cx="3634076" cy="5606860"/>
+            <a:off x="4669590" y="4781376"/>
+            <a:ext cx="7000875" cy="771525"/>
           </a:xfrm>
           <a:prstGeom prst="rect">
             <a:avLst/>
@@ -10108,40 +9962,6 @@
           </a:ln>
         </p:spPr>
       </p:pic>
-      <p:pic>
-        <p:nvPicPr>
-          <p:cNvPr id="1028" name="Picture 4"/>
-          <p:cNvPicPr>
-            <a:picLocks noChangeAspect="1" noChangeArrowheads="1"/>
-          </p:cNvPicPr>
-          <p:nvPr/>
-        </p:nvPicPr>
-        <p:blipFill>
-          <a:blip r:embed="rId6"/>
-          <a:srcRect/>
-          <a:stretch>
-            <a:fillRect/>
-          </a:stretch>
-        </p:blipFill>
-        <p:spPr bwMode="auto">
-          <a:xfrm>
-            <a:off x="4669590" y="4781376"/>
-            <a:ext cx="7000875" cy="771525"/>
-          </a:xfrm>
-          <a:prstGeom prst="rect">
-            <a:avLst/>
-          </a:prstGeom>
-          <a:noFill/>
-          <a:ln w="9525">
-            <a:solidFill>
-              <a:srgbClr val="4D78CC"/>
-            </a:solidFill>
-            <a:miter lim="800000"/>
-            <a:headEnd/>
-            <a:tailEnd/>
-          </a:ln>
-        </p:spPr>
-      </p:pic>
       <p:cxnSp>
         <p:nvCxnSpPr>
           <p:cNvPr id="35" name="Straight Arrow Connector 34"/>
@@ -10234,7 +10054,7 @@
           <p:nvPr/>
         </p:nvPicPr>
         <p:blipFill>
-          <a:blip r:embed="rId7"/>
+          <a:blip r:embed="rId6"/>
           <a:srcRect/>
           <a:stretch>
             <a:fillRect/>
@@ -10492,7 +10312,7 @@
           <p:nvPr/>
         </p:nvPicPr>
         <p:blipFill>
-          <a:blip r:embed="rId8"/>
+          <a:blip r:embed="rId7"/>
           <a:srcRect/>
           <a:stretch>
             <a:fillRect/>
@@ -10554,36 +10374,6 @@
           <a:chExt cx="0" cy="0"/>
         </a:xfrm>
       </p:grpSpPr>
-      <p:pic>
-        <p:nvPicPr>
-          <p:cNvPr id="2" name="Picture 1"/>
-          <p:cNvPicPr>
-            <a:picLocks noChangeAspect="1"/>
-          </p:cNvPicPr>
-          <p:nvPr/>
-        </p:nvPicPr>
-        <p:blipFill rotWithShape="1">
-          <a:blip r:embed="rId2">
-            <a:alphaModFix/>
-            <a:extLst>
-              <a:ext uri="{28A0092B-C50C-407E-A947-70E740481C1C}">
-                <a14:useLocalDpi xmlns:a14="http://schemas.microsoft.com/office/drawing/2010/main" val="0"/>
-              </a:ext>
-            </a:extLst>
-          </a:blip>
-          <a:srcRect b="2174"/>
-          <a:stretch/>
-        </p:blipFill>
-        <p:spPr>
-          <a:xfrm>
-            <a:off x="20" y="11704"/>
-            <a:ext cx="12191980" cy="6857999"/>
-          </a:xfrm>
-          <a:prstGeom prst="rect">
-            <a:avLst/>
-          </a:prstGeom>
-        </p:spPr>
-      </p:pic>
       <p:sp>
         <p:nvSpPr>
           <p:cNvPr id="15" name="Rectangle 14"/>
@@ -10641,7 +10431,7 @@
           <p:nvPr/>
         </p:nvPicPr>
         <p:blipFill>
-          <a:blip r:embed="rId3">
+          <a:blip r:embed="rId2">
             <a:extLst>
               <a:ext uri="{28A0092B-C50C-407E-A947-70E740481C1C}">
                 <a14:useLocalDpi xmlns:a14="http://schemas.microsoft.com/office/drawing/2010/main" val="0"/>
@@ -11204,7 +10994,7 @@
           <p:nvPr/>
         </p:nvPicPr>
         <p:blipFill>
-          <a:blip r:embed="rId4"/>
+          <a:blip r:embed="rId3"/>
           <a:stretch>
             <a:fillRect/>
           </a:stretch>
@@ -11228,7 +11018,7 @@
           <p:nvPr/>
         </p:nvPicPr>
         <p:blipFill>
-          <a:blip r:embed="rId5"/>
+          <a:blip r:embed="rId4"/>
           <a:srcRect/>
           <a:stretch>
             <a:fillRect/>
@@ -11262,7 +11052,7 @@
           <p:nvPr/>
         </p:nvPicPr>
         <p:blipFill>
-          <a:blip r:embed="rId6"/>
+          <a:blip r:embed="rId5"/>
           <a:srcRect/>
           <a:stretch>
             <a:fillRect/>
@@ -11703,36 +11493,6 @@
           <a:chExt cx="0" cy="0"/>
         </a:xfrm>
       </p:grpSpPr>
-      <p:pic>
-        <p:nvPicPr>
-          <p:cNvPr id="2" name="Picture 1"/>
-          <p:cNvPicPr>
-            <a:picLocks noChangeAspect="1"/>
-          </p:cNvPicPr>
-          <p:nvPr/>
-        </p:nvPicPr>
-        <p:blipFill rotWithShape="1">
-          <a:blip r:embed="rId2">
-            <a:alphaModFix/>
-            <a:extLst>
-              <a:ext uri="{28A0092B-C50C-407E-A947-70E740481C1C}">
-                <a14:useLocalDpi xmlns:a14="http://schemas.microsoft.com/office/drawing/2010/main" val="0"/>
-              </a:ext>
-            </a:extLst>
-          </a:blip>
-          <a:srcRect b="2174"/>
-          <a:stretch/>
-        </p:blipFill>
-        <p:spPr>
-          <a:xfrm>
-            <a:off x="20" y="11704"/>
-            <a:ext cx="12191980" cy="6857999"/>
-          </a:xfrm>
-          <a:prstGeom prst="rect">
-            <a:avLst/>
-          </a:prstGeom>
-        </p:spPr>
-      </p:pic>
       <p:sp>
         <p:nvSpPr>
           <p:cNvPr id="15" name="Rectangle 14"/>
@@ -11790,7 +11550,7 @@
           <p:nvPr/>
         </p:nvPicPr>
         <p:blipFill>
-          <a:blip r:embed="rId3"/>
+          <a:blip r:embed="rId2"/>
           <a:srcRect/>
           <a:stretch>
             <a:fillRect/>
@@ -11959,7 +11719,7 @@
           <p:nvPr/>
         </p:nvPicPr>
         <p:blipFill>
-          <a:blip r:embed="rId4"/>
+          <a:blip r:embed="rId3"/>
           <a:srcRect/>
           <a:stretch>
             <a:fillRect/>
@@ -12039,7 +11799,7 @@
           <p:nvPr/>
         </p:nvPicPr>
         <p:blipFill>
-          <a:blip r:embed="rId5"/>
+          <a:blip r:embed="rId4"/>
           <a:srcRect/>
           <a:stretch>
             <a:fillRect/>
